--- a/CodeStresser PPT.pptx
+++ b/CodeStresser PPT.pptx
@@ -16695,13 +16695,13 @@
   <p:clrMapOvr>
     <a:masterClrMapping/>
   </p:clrMapOvr>
-  <mc:AlternateContent xmlns:mc="http://schemas.openxmlformats.org/markup-compatibility/2006">
-    <mc:Choice xmlns:p159="http://schemas.microsoft.com/office/powerpoint/2015/09/main" Requires="p159">
+  <mc:AlternateContent xmlns:mc="http://schemas.openxmlformats.org/markup-compatibility/2006" xmlns:p159="http://schemas.microsoft.com/office/powerpoint/2015/09/main">
+    <mc:Choice Requires="p159">
       <p:transition xmlns:p14="http://schemas.microsoft.com/office/powerpoint/2010/main" spd="slow" p14:dur="2000">
         <p159:morph option="byObject"/>
       </p:transition>
     </mc:Choice>
-    <mc:Fallback>
+    <mc:Fallback xmlns="">
       <p:transition spd="slow">
         <p:fade/>
       </p:transition>
@@ -16785,7 +16785,7 @@
         </p:spPr>
         <p:txBody>
           <a:bodyPr vert="horz" lIns="91440" tIns="45720" rIns="91440" bIns="45720" rtlCol="0" anchor="t">
-            <a:normAutofit fontScale="92500" lnSpcReduction="10000"/>
+            <a:normAutofit fontScale="92500" lnSpcReduction="20000"/>
           </a:bodyPr>
           <a:lstStyle/>
           <a:p>
@@ -17004,13 +17004,13 @@
   <p:clrMapOvr>
     <a:masterClrMapping/>
   </p:clrMapOvr>
-  <mc:AlternateContent xmlns:mc="http://schemas.openxmlformats.org/markup-compatibility/2006">
-    <mc:Choice xmlns:p159="http://schemas.microsoft.com/office/powerpoint/2015/09/main" Requires="p159">
+  <mc:AlternateContent xmlns:mc="http://schemas.openxmlformats.org/markup-compatibility/2006" xmlns:p159="http://schemas.microsoft.com/office/powerpoint/2015/09/main">
+    <mc:Choice Requires="p159">
       <p:transition xmlns:p14="http://schemas.microsoft.com/office/powerpoint/2010/main" spd="slow" p14:dur="2000">
         <p159:morph option="byObject"/>
       </p:transition>
     </mc:Choice>
-    <mc:Fallback>
+    <mc:Fallback xmlns="">
       <p:transition spd="slow">
         <p:fade/>
       </p:transition>
@@ -17322,13 +17322,13 @@
   <p:clrMapOvr>
     <a:masterClrMapping/>
   </p:clrMapOvr>
-  <mc:AlternateContent xmlns:mc="http://schemas.openxmlformats.org/markup-compatibility/2006">
-    <mc:Choice xmlns:p159="http://schemas.microsoft.com/office/powerpoint/2015/09/main" Requires="p159">
+  <mc:AlternateContent xmlns:mc="http://schemas.openxmlformats.org/markup-compatibility/2006" xmlns:p159="http://schemas.microsoft.com/office/powerpoint/2015/09/main">
+    <mc:Choice Requires="p159">
       <p:transition xmlns:p14="http://schemas.microsoft.com/office/powerpoint/2010/main" spd="slow" p14:dur="2000">
         <p159:morph option="byObject"/>
       </p:transition>
     </mc:Choice>
-    <mc:Fallback>
+    <mc:Fallback xmlns="">
       <p:transition spd="slow">
         <p:fade/>
       </p:transition>
@@ -17633,13 +17633,13 @@
   <p:clrMapOvr>
     <a:masterClrMapping/>
   </p:clrMapOvr>
-  <mc:AlternateContent xmlns:mc="http://schemas.openxmlformats.org/markup-compatibility/2006">
-    <mc:Choice xmlns:p159="http://schemas.microsoft.com/office/powerpoint/2015/09/main" Requires="p159">
+  <mc:AlternateContent xmlns:mc="http://schemas.openxmlformats.org/markup-compatibility/2006" xmlns:p159="http://schemas.microsoft.com/office/powerpoint/2015/09/main">
+    <mc:Choice Requires="p159">
       <p:transition xmlns:p14="http://schemas.microsoft.com/office/powerpoint/2010/main" spd="slow" p14:dur="2000">
         <p159:morph option="byObject"/>
       </p:transition>
     </mc:Choice>
-    <mc:Fallback>
+    <mc:Fallback xmlns="">
       <p:transition spd="slow">
         <p:fade/>
       </p:transition>
@@ -17710,13 +17710,13 @@
   <p:clrMapOvr>
     <a:masterClrMapping/>
   </p:clrMapOvr>
-  <mc:AlternateContent xmlns:mc="http://schemas.openxmlformats.org/markup-compatibility/2006">
-    <mc:Choice xmlns:p159="http://schemas.microsoft.com/office/powerpoint/2015/09/main" Requires="p159">
+  <mc:AlternateContent xmlns:mc="http://schemas.openxmlformats.org/markup-compatibility/2006" xmlns:p159="http://schemas.microsoft.com/office/powerpoint/2015/09/main">
+    <mc:Choice Requires="p159">
       <p:transition xmlns:p14="http://schemas.microsoft.com/office/powerpoint/2010/main" spd="slow" p14:dur="2000">
         <p159:morph option="byObject"/>
       </p:transition>
     </mc:Choice>
-    <mc:Fallback>
+    <mc:Fallback xmlns="">
       <p:transition spd="slow">
         <p:fade/>
       </p:transition>
@@ -18006,13 +18006,13 @@
   <p:clrMapOvr>
     <a:masterClrMapping/>
   </p:clrMapOvr>
-  <mc:AlternateContent xmlns:mc="http://schemas.openxmlformats.org/markup-compatibility/2006">
-    <mc:Choice xmlns:p159="http://schemas.microsoft.com/office/powerpoint/2015/09/main" Requires="p159">
+  <mc:AlternateContent xmlns:mc="http://schemas.openxmlformats.org/markup-compatibility/2006" xmlns:p159="http://schemas.microsoft.com/office/powerpoint/2015/09/main">
+    <mc:Choice Requires="p159">
       <p:transition xmlns:p14="http://schemas.microsoft.com/office/powerpoint/2010/main" spd="slow" p14:dur="2000">
         <p159:morph option="byObject"/>
       </p:transition>
     </mc:Choice>
-    <mc:Fallback>
+    <mc:Fallback xmlns="">
       <p:transition spd="slow">
         <p:fade/>
       </p:transition>
@@ -18088,13 +18088,13 @@
   <p:clrMapOvr>
     <a:masterClrMapping/>
   </p:clrMapOvr>
-  <mc:AlternateContent xmlns:mc="http://schemas.openxmlformats.org/markup-compatibility/2006">
-    <mc:Choice xmlns:p159="http://schemas.microsoft.com/office/powerpoint/2015/09/main" Requires="p159">
+  <mc:AlternateContent xmlns:mc="http://schemas.openxmlformats.org/markup-compatibility/2006" xmlns:p159="http://schemas.microsoft.com/office/powerpoint/2015/09/main">
+    <mc:Choice Requires="p159">
       <p:transition xmlns:p14="http://schemas.microsoft.com/office/powerpoint/2010/main" spd="slow" p14:dur="2000">
         <p159:morph option="byObject"/>
       </p:transition>
     </mc:Choice>
-    <mc:Fallback>
+    <mc:Fallback xmlns="">
       <p:transition spd="slow">
         <p:fade/>
       </p:transition>
@@ -20837,13 +20837,13 @@
   <p:clrMapOvr>
     <a:masterClrMapping/>
   </p:clrMapOvr>
-  <mc:AlternateContent xmlns:mc="http://schemas.openxmlformats.org/markup-compatibility/2006">
-    <mc:Choice xmlns:p159="http://schemas.microsoft.com/office/powerpoint/2015/09/main" Requires="p159">
+  <mc:AlternateContent xmlns:mc="http://schemas.openxmlformats.org/markup-compatibility/2006" xmlns:p159="http://schemas.microsoft.com/office/powerpoint/2015/09/main">
+    <mc:Choice Requires="p159">
       <p:transition xmlns:p14="http://schemas.microsoft.com/office/powerpoint/2010/main" spd="slow" p14:dur="2000">
         <p159:morph option="byObject"/>
       </p:transition>
     </mc:Choice>
-    <mc:Fallback>
+    <mc:Fallback xmlns="">
       <p:transition spd="slow">
         <p:fade/>
       </p:transition>
@@ -21407,13 +21407,13 @@
     <a:masterClrMapping/>
   </p:clrMapOvr>
   <mc:AlternateContent xmlns:mc="http://schemas.openxmlformats.org/markup-compatibility/2006">
-    <mc:Choice xmlns:p14="http://schemas.microsoft.com/office/powerpoint/2010/main" Requires="p14">
-      <p:transition spd="med" p14:dur="700">
-        <p:fade/>
+    <mc:Choice xmlns:p159="http://schemas.microsoft.com/office/powerpoint/2015/09/main" Requires="p159">
+      <p:transition xmlns:p14="http://schemas.microsoft.com/office/powerpoint/2010/main" spd="slow" p14:dur="2000">
+        <p159:morph option="byObject"/>
       </p:transition>
     </mc:Choice>
     <mc:Fallback>
-      <p:transition spd="med">
+      <p:transition spd="slow">
         <p:fade/>
       </p:transition>
     </mc:Fallback>
@@ -23557,13 +23557,13 @@
     <a:masterClrMapping/>
   </p:clrMapOvr>
   <mc:AlternateContent xmlns:mc="http://schemas.openxmlformats.org/markup-compatibility/2006">
-    <mc:Choice xmlns:p14="http://schemas.microsoft.com/office/powerpoint/2010/main" Requires="p14">
-      <p:transition spd="med" p14:dur="700">
-        <p:fade/>
+    <mc:Choice xmlns:p159="http://schemas.microsoft.com/office/powerpoint/2015/09/main" Requires="p159">
+      <p:transition xmlns:p14="http://schemas.microsoft.com/office/powerpoint/2010/main" spd="slow" p14:dur="2000">
+        <p159:morph option="byObject"/>
       </p:transition>
     </mc:Choice>
     <mc:Fallback>
-      <p:transition spd="med">
+      <p:transition spd="slow">
         <p:fade/>
       </p:transition>
     </mc:Fallback>
@@ -25889,13 +25889,13 @@
     <a:masterClrMapping/>
   </p:clrMapOvr>
   <mc:AlternateContent xmlns:mc="http://schemas.openxmlformats.org/markup-compatibility/2006">
-    <mc:Choice xmlns:p14="http://schemas.microsoft.com/office/powerpoint/2010/main" Requires="p14">
-      <p:transition spd="med" p14:dur="700">
-        <p:fade/>
+    <mc:Choice xmlns:p159="http://schemas.microsoft.com/office/powerpoint/2015/09/main" Requires="p159">
+      <p:transition xmlns:p14="http://schemas.microsoft.com/office/powerpoint/2010/main" spd="slow" p14:dur="2000">
+        <p159:morph option="byObject"/>
       </p:transition>
     </mc:Choice>
     <mc:Fallback>
-      <p:transition spd="med">
+      <p:transition spd="slow">
         <p:fade/>
       </p:transition>
     </mc:Fallback>
@@ -26148,13 +26148,13 @@
   <p:clrMapOvr>
     <a:masterClrMapping/>
   </p:clrMapOvr>
-  <mc:AlternateContent xmlns:mc="http://schemas.openxmlformats.org/markup-compatibility/2006">
-    <mc:Choice xmlns:p159="http://schemas.microsoft.com/office/powerpoint/2015/09/main" Requires="p159">
+  <mc:AlternateContent xmlns:mc="http://schemas.openxmlformats.org/markup-compatibility/2006" xmlns:p159="http://schemas.microsoft.com/office/powerpoint/2015/09/main">
+    <mc:Choice Requires="p159">
       <p:transition xmlns:p14="http://schemas.microsoft.com/office/powerpoint/2010/main" spd="slow" p14:dur="2000">
         <p159:morph option="byObject"/>
       </p:transition>
     </mc:Choice>
-    <mc:Fallback>
+    <mc:Fallback xmlns="">
       <p:transition spd="slow">
         <p:fade/>
       </p:transition>
@@ -28299,13 +28299,13 @@
     <a:masterClrMapping/>
   </p:clrMapOvr>
   <mc:AlternateContent xmlns:mc="http://schemas.openxmlformats.org/markup-compatibility/2006">
-    <mc:Choice xmlns:p14="http://schemas.microsoft.com/office/powerpoint/2010/main" Requires="p14">
-      <p:transition spd="med" p14:dur="700">
-        <p:fade/>
+    <mc:Choice xmlns:p159="http://schemas.microsoft.com/office/powerpoint/2015/09/main" Requires="p159">
+      <p:transition xmlns:p14="http://schemas.microsoft.com/office/powerpoint/2010/main" spd="slow" p14:dur="2000">
+        <p159:morph option="byObject"/>
       </p:transition>
     </mc:Choice>
     <mc:Fallback>
-      <p:transition spd="med">
+      <p:transition spd="slow">
         <p:fade/>
       </p:transition>
     </mc:Fallback>
@@ -30449,13 +30449,13 @@
     <a:masterClrMapping/>
   </p:clrMapOvr>
   <mc:AlternateContent xmlns:mc="http://schemas.openxmlformats.org/markup-compatibility/2006">
-    <mc:Choice xmlns:p14="http://schemas.microsoft.com/office/powerpoint/2010/main" Requires="p14">
-      <p:transition spd="med" p14:dur="700">
-        <p:fade/>
+    <mc:Choice xmlns:p159="http://schemas.microsoft.com/office/powerpoint/2015/09/main" Requires="p159">
+      <p:transition xmlns:p14="http://schemas.microsoft.com/office/powerpoint/2010/main" spd="slow" p14:dur="2000">
+        <p159:morph option="byObject"/>
       </p:transition>
     </mc:Choice>
     <mc:Fallback>
-      <p:transition spd="med">
+      <p:transition spd="slow">
         <p:fade/>
       </p:transition>
     </mc:Fallback>
@@ -32163,13 +32163,13 @@
     <a:masterClrMapping/>
   </p:clrMapOvr>
   <mc:AlternateContent xmlns:mc="http://schemas.openxmlformats.org/markup-compatibility/2006">
-    <mc:Choice xmlns:p14="http://schemas.microsoft.com/office/powerpoint/2010/main" Requires="p14">
-      <p:transition spd="med" p14:dur="700">
-        <p:fade/>
+    <mc:Choice xmlns:p159="http://schemas.microsoft.com/office/powerpoint/2015/09/main" Requires="p159">
+      <p:transition xmlns:p14="http://schemas.microsoft.com/office/powerpoint/2010/main" spd="slow" p14:dur="2000">
+        <p159:morph option="byObject"/>
       </p:transition>
     </mc:Choice>
     <mc:Fallback>
-      <p:transition spd="med">
+      <p:transition spd="slow">
         <p:fade/>
       </p:transition>
     </mc:Fallback>
@@ -32382,13 +32382,13 @@
     <a:masterClrMapping/>
   </p:clrMapOvr>
   <mc:AlternateContent xmlns:mc="http://schemas.openxmlformats.org/markup-compatibility/2006">
-    <mc:Choice xmlns:p14="http://schemas.microsoft.com/office/powerpoint/2010/main" Requires="p14">
-      <p:transition spd="med" p14:dur="700">
-        <p:fade/>
+    <mc:Choice xmlns:p159="http://schemas.microsoft.com/office/powerpoint/2015/09/main" Requires="p159">
+      <p:transition xmlns:p14="http://schemas.microsoft.com/office/powerpoint/2010/main" spd="slow" p14:dur="2000">
+        <p159:morph option="byObject"/>
       </p:transition>
     </mc:Choice>
     <mc:Fallback>
-      <p:transition spd="med">
+      <p:transition spd="slow">
         <p:fade/>
       </p:transition>
     </mc:Fallback>
@@ -32624,6 +32624,18 @@
   <p:clrMapOvr>
     <a:masterClrMapping/>
   </p:clrMapOvr>
+  <mc:AlternateContent xmlns:mc="http://schemas.openxmlformats.org/markup-compatibility/2006">
+    <mc:Choice xmlns:p159="http://schemas.microsoft.com/office/powerpoint/2015/09/main" Requires="p159">
+      <p:transition xmlns:p14="http://schemas.microsoft.com/office/powerpoint/2010/main" spd="slow" p14:dur="2000">
+        <p159:morph option="byObject"/>
+      </p:transition>
+    </mc:Choice>
+    <mc:Fallback>
+      <p:transition spd="slow">
+        <p:fade/>
+      </p:transition>
+    </mc:Fallback>
+  </mc:AlternateContent>
 </p:sld>
 </file>
 
@@ -33346,13 +33358,13 @@
   <p:clrMapOvr>
     <a:masterClrMapping/>
   </p:clrMapOvr>
-  <mc:AlternateContent xmlns:mc="http://schemas.openxmlformats.org/markup-compatibility/2006">
-    <mc:Choice xmlns:p159="http://schemas.microsoft.com/office/powerpoint/2015/09/main" Requires="p159">
+  <mc:AlternateContent xmlns:mc="http://schemas.openxmlformats.org/markup-compatibility/2006" xmlns:p159="http://schemas.microsoft.com/office/powerpoint/2015/09/main">
+    <mc:Choice Requires="p159">
       <p:transition xmlns:p14="http://schemas.microsoft.com/office/powerpoint/2010/main" spd="slow" p14:dur="2000">
         <p159:morph option="byObject"/>
       </p:transition>
     </mc:Choice>
-    <mc:Fallback>
+    <mc:Fallback xmlns="">
       <p:transition spd="slow">
         <p:fade/>
       </p:transition>
@@ -33587,13 +33599,13 @@
   <p:clrMapOvr>
     <a:masterClrMapping/>
   </p:clrMapOvr>
-  <mc:AlternateContent xmlns:mc="http://schemas.openxmlformats.org/markup-compatibility/2006">
-    <mc:Choice xmlns:p159="http://schemas.microsoft.com/office/powerpoint/2015/09/main" Requires="p159">
+  <mc:AlternateContent xmlns:mc="http://schemas.openxmlformats.org/markup-compatibility/2006" xmlns:p159="http://schemas.microsoft.com/office/powerpoint/2015/09/main">
+    <mc:Choice Requires="p159">
       <p:transition xmlns:p14="http://schemas.microsoft.com/office/powerpoint/2010/main" spd="slow" p14:dur="2000">
         <p159:morph option="byObject"/>
       </p:transition>
     </mc:Choice>
-    <mc:Fallback>
+    <mc:Fallback xmlns="">
       <p:transition spd="slow">
         <p:fade/>
       </p:transition>
@@ -34467,13 +34479,13 @@
   <p:clrMapOvr>
     <a:masterClrMapping/>
   </p:clrMapOvr>
-  <mc:AlternateContent xmlns:mc="http://schemas.openxmlformats.org/markup-compatibility/2006">
-    <mc:Choice xmlns:p159="http://schemas.microsoft.com/office/powerpoint/2015/09/main" Requires="p159">
+  <mc:AlternateContent xmlns:mc="http://schemas.openxmlformats.org/markup-compatibility/2006" xmlns:p159="http://schemas.microsoft.com/office/powerpoint/2015/09/main">
+    <mc:Choice Requires="p159">
       <p:transition xmlns:p14="http://schemas.microsoft.com/office/powerpoint/2010/main" spd="slow" p14:dur="2000">
         <p159:morph option="byObject"/>
       </p:transition>
     </mc:Choice>
-    <mc:Fallback>
+    <mc:Fallback xmlns="">
       <p:transition spd="slow">
         <p:fade/>
       </p:transition>
@@ -35353,13 +35365,13 @@
   <p:clrMapOvr>
     <a:masterClrMapping/>
   </p:clrMapOvr>
-  <mc:AlternateContent xmlns:mc="http://schemas.openxmlformats.org/markup-compatibility/2006">
-    <mc:Choice xmlns:p159="http://schemas.microsoft.com/office/powerpoint/2015/09/main" Requires="p159">
+  <mc:AlternateContent xmlns:mc="http://schemas.openxmlformats.org/markup-compatibility/2006" xmlns:p159="http://schemas.microsoft.com/office/powerpoint/2015/09/main">
+    <mc:Choice Requires="p159">
       <p:transition xmlns:p14="http://schemas.microsoft.com/office/powerpoint/2010/main" spd="slow" p14:dur="2000">
         <p159:morph option="byObject"/>
       </p:transition>
     </mc:Choice>
-    <mc:Fallback>
+    <mc:Fallback xmlns="">
       <p:transition spd="slow">
         <p:fade/>
       </p:transition>
@@ -35436,13 +35448,13 @@
   <p:clrMapOvr>
     <a:masterClrMapping/>
   </p:clrMapOvr>
-  <mc:AlternateContent xmlns:mc="http://schemas.openxmlformats.org/markup-compatibility/2006">
-    <mc:Choice xmlns:p159="http://schemas.microsoft.com/office/powerpoint/2015/09/main" Requires="p159">
+  <mc:AlternateContent xmlns:mc="http://schemas.openxmlformats.org/markup-compatibility/2006" xmlns:p159="http://schemas.microsoft.com/office/powerpoint/2015/09/main">
+    <mc:Choice Requires="p159">
       <p:transition xmlns:p14="http://schemas.microsoft.com/office/powerpoint/2010/main" spd="slow" p14:dur="2000">
         <p159:morph option="byObject"/>
       </p:transition>
     </mc:Choice>
-    <mc:Fallback>
+    <mc:Fallback xmlns="">
       <p:transition spd="slow">
         <p:fade/>
       </p:transition>
@@ -35985,13 +35997,13 @@
   <p:clrMapOvr>
     <a:masterClrMapping/>
   </p:clrMapOvr>
-  <mc:AlternateContent xmlns:mc="http://schemas.openxmlformats.org/markup-compatibility/2006">
-    <mc:Choice xmlns:p159="http://schemas.microsoft.com/office/powerpoint/2015/09/main" Requires="p159">
+  <mc:AlternateContent xmlns:mc="http://schemas.openxmlformats.org/markup-compatibility/2006" xmlns:p159="http://schemas.microsoft.com/office/powerpoint/2015/09/main">
+    <mc:Choice Requires="p159">
       <p:transition xmlns:p14="http://schemas.microsoft.com/office/powerpoint/2010/main" spd="slow" p14:dur="2000">
         <p159:morph option="byObject"/>
       </p:transition>
     </mc:Choice>
-    <mc:Fallback>
+    <mc:Fallback xmlns="">
       <p:transition spd="slow">
         <p:fade/>
       </p:transition>
@@ -36427,13 +36439,13 @@
   <p:clrMapOvr>
     <a:masterClrMapping/>
   </p:clrMapOvr>
-  <mc:AlternateContent xmlns:mc="http://schemas.openxmlformats.org/markup-compatibility/2006">
-    <mc:Choice xmlns:p159="http://schemas.microsoft.com/office/powerpoint/2015/09/main" Requires="p159">
+  <mc:AlternateContent xmlns:mc="http://schemas.openxmlformats.org/markup-compatibility/2006" xmlns:p159="http://schemas.microsoft.com/office/powerpoint/2015/09/main">
+    <mc:Choice Requires="p159">
       <p:transition xmlns:p14="http://schemas.microsoft.com/office/powerpoint/2010/main" spd="slow" p14:dur="2000">
         <p159:morph option="byObject"/>
       </p:transition>
     </mc:Choice>
-    <mc:Fallback>
+    <mc:Fallback xmlns="">
       <p:transition spd="slow">
         <p:fade/>
       </p:transition>
@@ -37234,18 +37246,18 @@
 </file>
 
 <file path=customXml/item1.xml><?xml version="1.0" encoding="utf-8"?>
+<p:properties xmlns:p="http://schemas.microsoft.com/office/2006/metadata/properties" xmlns:xsi="http://www.w3.org/2001/XMLSchema-instance" xmlns:pc="http://schemas.microsoft.com/office/infopath/2007/PartnerControls">
+  <documentManagement/>
+</p:properties>
+</file>
+
+<file path=customXml/item2.xml><?xml version="1.0" encoding="utf-8"?>
 <?mso-contentType ?>
 <FormTemplates xmlns="http://schemas.microsoft.com/sharepoint/v3/contenttype/forms">
   <Display>DocumentLibraryForm</Display>
   <Edit>DocumentLibraryForm</Edit>
   <New>DocumentLibraryForm</New>
 </FormTemplates>
-</file>
-
-<file path=customXml/item2.xml><?xml version="1.0" encoding="utf-8"?>
-<p:properties xmlns:p="http://schemas.microsoft.com/office/2006/metadata/properties" xmlns:xsi="http://www.w3.org/2001/XMLSchema-instance" xmlns:pc="http://schemas.microsoft.com/office/infopath/2007/PartnerControls">
-  <documentManagement/>
-</p:properties>
 </file>
 
 <file path=customXml/item3.xml><?xml version="1.0" encoding="utf-8"?>
@@ -37464,14 +37476,6 @@
 </file>
 
 <file path=customXml/itemProps1.xml><?xml version="1.0" encoding="utf-8"?>
-<ds:datastoreItem xmlns:ds="http://schemas.openxmlformats.org/officeDocument/2006/customXml" ds:itemID="{2D446390-8521-40A2-A462-EA068123BED9}">
-  <ds:schemaRefs>
-    <ds:schemaRef ds:uri="http://schemas.microsoft.com/sharepoint/v3/contenttype/forms"/>
-  </ds:schemaRefs>
-</ds:datastoreItem>
-</file>
-
-<file path=customXml/itemProps2.xml><?xml version="1.0" encoding="utf-8"?>
 <ds:datastoreItem xmlns:ds="http://schemas.openxmlformats.org/officeDocument/2006/customXml" ds:itemID="{B5BA3906-9696-4247-AC0D-DD5C26B2A70A}">
   <ds:schemaRefs>
     <ds:schemaRef ds:uri="25379ffa-1be3-456e-9b5c-56d073d73bb0"/>
@@ -37484,6 +37488,14 @@
     <ds:schemaRef ds:uri="http://schemas.microsoft.com/office/infopath/2007/PartnerControls"/>
     <ds:schemaRef ds:uri="http://schemas.openxmlformats.org/package/2006/metadata/core-properties"/>
     <ds:schemaRef ds:uri="http://purl.org/dc/terms/"/>
+  </ds:schemaRefs>
+</ds:datastoreItem>
+</file>
+
+<file path=customXml/itemProps2.xml><?xml version="1.0" encoding="utf-8"?>
+<ds:datastoreItem xmlns:ds="http://schemas.openxmlformats.org/officeDocument/2006/customXml" ds:itemID="{2D446390-8521-40A2-A462-EA068123BED9}">
+  <ds:schemaRefs>
+    <ds:schemaRef ds:uri="http://schemas.microsoft.com/sharepoint/v3/contenttype/forms"/>
   </ds:schemaRefs>
 </ds:datastoreItem>
 </file>

--- a/CodeStresser PPT.pptx
+++ b/CodeStresser PPT.pptx
@@ -5,10 +5,10 @@
     <p:sldMasterId id="2147483666" r:id="rId4"/>
   </p:sldMasterIdLst>
   <p:notesMasterIdLst>
-    <p:notesMasterId r:id="rId30"/>
+    <p:notesMasterId r:id="rId31"/>
   </p:notesMasterIdLst>
   <p:handoutMasterIdLst>
-    <p:handoutMasterId r:id="rId31"/>
+    <p:handoutMasterId r:id="rId32"/>
   </p:handoutMasterIdLst>
   <p:sldIdLst>
     <p:sldId id="256" r:id="rId5"/>
@@ -34,8 +34,9 @@
     <p:sldId id="307" r:id="rId25"/>
     <p:sldId id="308" r:id="rId26"/>
     <p:sldId id="309" r:id="rId27"/>
-    <p:sldId id="310" r:id="rId28"/>
-    <p:sldId id="276" r:id="rId29"/>
+    <p:sldId id="312" r:id="rId28"/>
+    <p:sldId id="310" r:id="rId29"/>
+    <p:sldId id="276" r:id="rId30"/>
   </p:sldIdLst>
   <p:sldSz cx="12192000" cy="6858000"/>
   <p:notesSz cx="6858000" cy="9144000"/>
@@ -264,7 +265,7 @@
             <a:pPr rtl="0"/>
             <a:fld id="{4245C065-7973-41A8-A2CC-441A8BA3384C}" type="datetime1">
               <a:rPr lang="en-GB" smtClean="0"/>
-              <a:t>14/06/2025</a:t>
+              <a:t>17/06/2025</a:t>
             </a:fld>
             <a:endParaRPr lang="en-GB"/>
           </a:p>
@@ -446,7 +447,7 @@
             <a:fld id="{A087A586-3225-45EC-B90F-43F9676D14C2}" type="datetime1">
               <a:rPr lang="en-GB" smtClean="0"/>
               <a:pPr/>
-              <a:t>14/06/2025</a:t>
+              <a:t>17/06/2025</a:t>
             </a:fld>
             <a:endParaRPr lang="en-GB" dirty="0"/>
           </a:p>
@@ -1062,7 +1063,7 @@
             <a:pPr rtl="0"/>
             <a:fld id="{D4B9A9E5-4F7F-4A7D-9DE1-899232329269}" type="slidenum">
               <a:rPr lang="en-GB" smtClean="0"/>
-              <a:t>25</a:t>
+              <a:t>26</a:t>
             </a:fld>
             <a:endParaRPr lang="en-GB"/>
           </a:p>
@@ -16775,12 +16776,14 @@
         </p:nvSpPr>
         <p:spPr>
           <a:xfrm>
-            <a:off x="6416041" y="5586890"/>
-            <a:ext cx="4941770" cy="396660"/>
+            <a:off x="6416040" y="5586889"/>
+            <a:ext cx="5018875" cy="695923"/>
           </a:xfrm>
         </p:spPr>
         <p:txBody>
-          <a:bodyPr rtlCol="0"/>
+          <a:bodyPr rtlCol="0">
+            <a:normAutofit lnSpcReduction="10000"/>
+          </a:bodyPr>
           <a:lstStyle/>
           <a:p>
             <a:pPr rtl="0"/>
@@ -16793,6 +16796,12 @@
               <a:t>Sferratore</a:t>
             </a:r>
             <a:endParaRPr lang="en-GB" dirty="0"/>
+          </a:p>
+          <a:p>
+            <a:r>
+              <a:rPr lang="en-GB" dirty="0"/>
+              <a:t>https://github.com/Sferratore/CodeStresser</a:t>
+            </a:r>
           </a:p>
         </p:txBody>
       </p:sp>
@@ -21959,13 +21968,13 @@
   <p:clrMapOvr>
     <a:masterClrMapping/>
   </p:clrMapOvr>
-  <mc:AlternateContent xmlns:mc="http://schemas.openxmlformats.org/markup-compatibility/2006">
-    <mc:Choice xmlns:p159="http://schemas.microsoft.com/office/powerpoint/2015/09/main" Requires="p159">
+  <mc:AlternateContent xmlns:mc="http://schemas.openxmlformats.org/markup-compatibility/2006" xmlns:p159="http://schemas.microsoft.com/office/powerpoint/2015/09/main">
+    <mc:Choice Requires="p159">
       <p:transition xmlns:p14="http://schemas.microsoft.com/office/powerpoint/2010/main" spd="slow" p14:dur="2000">
         <p159:morph option="byObject"/>
       </p:transition>
     </mc:Choice>
-    <mc:Fallback>
+    <mc:Fallback xmlns="">
       <p:transition spd="slow">
         <p:fade/>
       </p:transition>
@@ -24109,13 +24118,13 @@
   <p:clrMapOvr>
     <a:masterClrMapping/>
   </p:clrMapOvr>
-  <mc:AlternateContent xmlns:mc="http://schemas.openxmlformats.org/markup-compatibility/2006">
-    <mc:Choice xmlns:p159="http://schemas.microsoft.com/office/powerpoint/2015/09/main" Requires="p159">
+  <mc:AlternateContent xmlns:mc="http://schemas.openxmlformats.org/markup-compatibility/2006" xmlns:p159="http://schemas.microsoft.com/office/powerpoint/2015/09/main">
+    <mc:Choice Requires="p159">
       <p:transition xmlns:p14="http://schemas.microsoft.com/office/powerpoint/2010/main" spd="slow" p14:dur="2000">
         <p159:morph option="byObject"/>
       </p:transition>
     </mc:Choice>
-    <mc:Fallback>
+    <mc:Fallback xmlns="">
       <p:transition spd="slow">
         <p:fade/>
       </p:transition>
@@ -26701,13 +26710,13 @@
   <p:clrMapOvr>
     <a:masterClrMapping/>
   </p:clrMapOvr>
-  <mc:AlternateContent xmlns:mc="http://schemas.openxmlformats.org/markup-compatibility/2006">
-    <mc:Choice xmlns:p159="http://schemas.microsoft.com/office/powerpoint/2015/09/main" Requires="p159">
+  <mc:AlternateContent xmlns:mc="http://schemas.openxmlformats.org/markup-compatibility/2006" xmlns:p159="http://schemas.microsoft.com/office/powerpoint/2015/09/main">
+    <mc:Choice Requires="p159">
       <p:transition xmlns:p14="http://schemas.microsoft.com/office/powerpoint/2010/main" spd="slow" p14:dur="2000">
         <p159:morph option="byObject"/>
       </p:transition>
     </mc:Choice>
-    <mc:Fallback>
+    <mc:Fallback xmlns="">
       <p:transition spd="slow">
         <p:fade/>
       </p:transition>
@@ -28851,13 +28860,13 @@
   <p:clrMapOvr>
     <a:masterClrMapping/>
   </p:clrMapOvr>
-  <mc:AlternateContent xmlns:mc="http://schemas.openxmlformats.org/markup-compatibility/2006">
-    <mc:Choice xmlns:p159="http://schemas.microsoft.com/office/powerpoint/2015/09/main" Requires="p159">
+  <mc:AlternateContent xmlns:mc="http://schemas.openxmlformats.org/markup-compatibility/2006" xmlns:p159="http://schemas.microsoft.com/office/powerpoint/2015/09/main">
+    <mc:Choice Requires="p159">
       <p:transition xmlns:p14="http://schemas.microsoft.com/office/powerpoint/2010/main" spd="slow" p14:dur="2000">
         <p159:morph option="byObject"/>
       </p:transition>
     </mc:Choice>
-    <mc:Fallback>
+    <mc:Fallback xmlns="">
       <p:transition spd="slow">
         <p:fade/>
       </p:transition>
@@ -31001,13 +31010,13 @@
   <p:clrMapOvr>
     <a:masterClrMapping/>
   </p:clrMapOvr>
-  <mc:AlternateContent xmlns:mc="http://schemas.openxmlformats.org/markup-compatibility/2006">
-    <mc:Choice xmlns:p159="http://schemas.microsoft.com/office/powerpoint/2015/09/main" Requires="p159">
+  <mc:AlternateContent xmlns:mc="http://schemas.openxmlformats.org/markup-compatibility/2006" xmlns:p159="http://schemas.microsoft.com/office/powerpoint/2015/09/main">
+    <mc:Choice Requires="p159">
       <p:transition xmlns:p14="http://schemas.microsoft.com/office/powerpoint/2010/main" spd="slow" p14:dur="2000">
         <p159:morph option="byObject"/>
       </p:transition>
     </mc:Choice>
-    <mc:Fallback>
+    <mc:Fallback xmlns="">
       <p:transition spd="slow">
         <p:fade/>
       </p:transition>
@@ -32715,13 +32724,13 @@
   <p:clrMapOvr>
     <a:masterClrMapping/>
   </p:clrMapOvr>
-  <mc:AlternateContent xmlns:mc="http://schemas.openxmlformats.org/markup-compatibility/2006">
-    <mc:Choice xmlns:p159="http://schemas.microsoft.com/office/powerpoint/2015/09/main" Requires="p159">
+  <mc:AlternateContent xmlns:mc="http://schemas.openxmlformats.org/markup-compatibility/2006" xmlns:p159="http://schemas.microsoft.com/office/powerpoint/2015/09/main">
+    <mc:Choice Requires="p159">
       <p:transition xmlns:p14="http://schemas.microsoft.com/office/powerpoint/2010/main" spd="slow" p14:dur="2000">
         <p159:morph option="byObject"/>
       </p:transition>
     </mc:Choice>
-    <mc:Fallback>
+    <mc:Fallback xmlns="">
       <p:transition spd="slow">
         <p:fade/>
       </p:transition>
@@ -32752,30 +32761,33 @@
           <p:cNvPr id="2" name="Title 1">
             <a:extLst>
               <a:ext uri="{FF2B5EF4-FFF2-40B4-BE49-F238E27FC236}">
-                <a16:creationId xmlns:a16="http://schemas.microsoft.com/office/drawing/2014/main" id="{FD9D32C9-8829-5085-A0C2-AB40B11C001F}"/>
-              </a:ext>
-            </a:extLst>
-          </p:cNvPr>
-          <p:cNvSpPr>
-            <a:spLocks noGrp="1"/>
-          </p:cNvSpPr>
-          <p:nvPr>
-            <p:ph type="ctrTitle"/>
-          </p:nvPr>
-        </p:nvSpPr>
-        <p:spPr>
-          <a:xfrm>
-            <a:off x="4267200" y="1251942"/>
-            <a:ext cx="4179570" cy="1524735"/>
-          </a:xfrm>
-        </p:spPr>
+                <a16:creationId xmlns:a16="http://schemas.microsoft.com/office/drawing/2014/main" id="{B185FF7D-71DB-5D86-BFCD-ED141BF30D83}"/>
+              </a:ext>
+            </a:extLst>
+          </p:cNvPr>
+          <p:cNvSpPr>
+            <a:spLocks noGrp="1"/>
+          </p:cNvSpPr>
+          <p:nvPr>
+            <p:ph type="title"/>
+          </p:nvPr>
+        </p:nvSpPr>
+        <p:spPr/>
         <p:txBody>
           <a:bodyPr/>
           <a:lstStyle/>
           <a:p>
             <a:r>
               <a:rPr lang="en-GB" dirty="0" err="1"/>
-              <a:t>conclusioni</a:t>
+              <a:t>Sviluppi</a:t>
+            </a:r>
+            <a:r>
+              <a:rPr lang="en-GB" dirty="0"/>
+              <a:t> </a:t>
+            </a:r>
+            <a:r>
+              <a:rPr lang="en-GB" dirty="0" err="1"/>
+              <a:t>futuri</a:t>
             </a:r>
             <a:endParaRPr lang="en-GB" dirty="0"/>
           </a:p>
@@ -32783,72 +32795,18 @@
       </p:sp>
       <p:sp>
         <p:nvSpPr>
-          <p:cNvPr id="3" name="Subtitle 2">
-            <a:extLst>
-              <a:ext uri="{FF2B5EF4-FFF2-40B4-BE49-F238E27FC236}">
-                <a16:creationId xmlns:a16="http://schemas.microsoft.com/office/drawing/2014/main" id="{946CE590-1BA4-00AF-BB5C-6FCAC7A5653C}"/>
-              </a:ext>
-            </a:extLst>
-          </p:cNvPr>
-          <p:cNvSpPr>
-            <a:spLocks noGrp="1"/>
-          </p:cNvSpPr>
-          <p:nvPr>
-            <p:ph type="subTitle" idx="1"/>
-          </p:nvPr>
-        </p:nvSpPr>
-        <p:spPr>
-          <a:xfrm>
-            <a:off x="4267199" y="2851355"/>
-            <a:ext cx="5004620" cy="3018503"/>
-          </a:xfrm>
-        </p:spPr>
-        <p:txBody>
-          <a:bodyPr>
-            <a:normAutofit fontScale="85000" lnSpcReduction="10000"/>
-          </a:bodyPr>
-          <a:lstStyle/>
-          <a:p>
-            <a:r>
-              <a:rPr lang="it-IT" dirty="0"/>
-              <a:t>CodeStresser integra l’analisi statica con il ML per rilevare vulnerabilità nel codice in modo automatico e strutturato.</a:t>
-            </a:r>
-          </a:p>
-          <a:p>
-            <a:r>
-              <a:rPr lang="it-IT" dirty="0"/>
-              <a:t>La combinazione di feature semantiche, modelli ML supervisionati e un report dettagliato consente una valutazione sia tecnica che operativa del rischio.</a:t>
-            </a:r>
-          </a:p>
-          <a:p>
-            <a:r>
-              <a:rPr lang="it-IT" dirty="0"/>
-              <a:t>Il sistema è pensato per essere integrabile in flussi CI/CD, con output leggibili sia da sviluppatori che da strumenti automatici.</a:t>
-            </a:r>
-          </a:p>
-          <a:p>
-            <a:r>
-              <a:rPr lang="it-IT" dirty="0"/>
-              <a:t>I risultati preliminari dimostrano un approccio promettente per supportare il Secure Software Engineering con strumenti intelligenti e adattivi.</a:t>
-            </a:r>
-            <a:endParaRPr lang="en-GB" dirty="0"/>
-          </a:p>
-        </p:txBody>
-      </p:sp>
-      <p:sp>
-        <p:nvSpPr>
-          <p:cNvPr id="4" name="Date Placeholder 3">
-            <a:extLst>
-              <a:ext uri="{FF2B5EF4-FFF2-40B4-BE49-F238E27FC236}">
-                <a16:creationId xmlns:a16="http://schemas.microsoft.com/office/drawing/2014/main" id="{77DBAFBC-E4F1-5B09-6829-870F5D492AF4}"/>
-              </a:ext>
-            </a:extLst>
-          </p:cNvPr>
-          <p:cNvSpPr>
-            <a:spLocks noGrp="1"/>
-          </p:cNvSpPr>
-          <p:nvPr>
-            <p:ph type="dt" sz="half" idx="10"/>
+          <p:cNvPr id="3" name="Text Placeholder 2">
+            <a:extLst>
+              <a:ext uri="{FF2B5EF4-FFF2-40B4-BE49-F238E27FC236}">
+                <a16:creationId xmlns:a16="http://schemas.microsoft.com/office/drawing/2014/main" id="{D54A961D-2D4D-D26A-9DA3-961248071929}"/>
+              </a:ext>
+            </a:extLst>
+          </p:cNvPr>
+          <p:cNvSpPr>
+            <a:spLocks noGrp="1"/>
+          </p:cNvSpPr>
+          <p:nvPr>
+            <p:ph type="body" sz="quarter" idx="13"/>
           </p:nvPr>
         </p:nvSpPr>
         <p:spPr/>
@@ -32856,28 +32814,27 @@
           <a:bodyPr/>
           <a:lstStyle/>
           <a:p>
-            <a:pPr rtl="0"/>
-            <a:r>
-              <a:rPr lang="en-GB" noProof="0" dirty="0"/>
-              <a:t>2025</a:t>
-            </a:r>
-          </a:p>
-        </p:txBody>
-      </p:sp>
-      <p:sp>
-        <p:nvSpPr>
-          <p:cNvPr id="5" name="Footer Placeholder 4">
-            <a:extLst>
-              <a:ext uri="{FF2B5EF4-FFF2-40B4-BE49-F238E27FC236}">
-                <a16:creationId xmlns:a16="http://schemas.microsoft.com/office/drawing/2014/main" id="{488AF106-BC96-45EB-DBE6-E9722A352EE6}"/>
-              </a:ext>
-            </a:extLst>
-          </p:cNvPr>
-          <p:cNvSpPr>
-            <a:spLocks noGrp="1"/>
-          </p:cNvSpPr>
-          <p:nvPr>
-            <p:ph type="ftr" sz="quarter" idx="11"/>
+            <a:r>
+              <a:rPr lang="en-GB" dirty="0"/>
+              <a:t>Upgrade ai/ml</a:t>
+            </a:r>
+          </a:p>
+        </p:txBody>
+      </p:sp>
+      <p:sp>
+        <p:nvSpPr>
+          <p:cNvPr id="4" name="Text Placeholder 3">
+            <a:extLst>
+              <a:ext uri="{FF2B5EF4-FFF2-40B4-BE49-F238E27FC236}">
+                <a16:creationId xmlns:a16="http://schemas.microsoft.com/office/drawing/2014/main" id="{E16102DB-C05E-AF05-FCF4-65130D87E277}"/>
+              </a:ext>
+            </a:extLst>
+          </p:cNvPr>
+          <p:cNvSpPr>
+            <a:spLocks noGrp="1"/>
+          </p:cNvSpPr>
+          <p:nvPr>
+            <p:ph type="body" sz="quarter" idx="14"/>
           </p:nvPr>
         </p:nvSpPr>
         <p:spPr/>
@@ -32885,21 +32842,307 @@
           <a:bodyPr/>
           <a:lstStyle/>
           <a:p>
+            <a:r>
+              <a:rPr lang="en-GB" dirty="0"/>
+              <a:t>UI &amp; </a:t>
+            </a:r>
+            <a:r>
+              <a:rPr lang="en-GB" dirty="0" err="1"/>
+              <a:t>Reportistica</a:t>
+            </a:r>
+            <a:endParaRPr lang="en-GB" dirty="0"/>
+          </a:p>
+        </p:txBody>
+      </p:sp>
+      <p:sp>
+        <p:nvSpPr>
+          <p:cNvPr id="5" name="Text Placeholder 4">
+            <a:extLst>
+              <a:ext uri="{FF2B5EF4-FFF2-40B4-BE49-F238E27FC236}">
+                <a16:creationId xmlns:a16="http://schemas.microsoft.com/office/drawing/2014/main" id="{2C56BFA9-6FA2-3526-EE81-EA5A7AD9A8AC}"/>
+              </a:ext>
+            </a:extLst>
+          </p:cNvPr>
+          <p:cNvSpPr>
+            <a:spLocks noGrp="1"/>
+          </p:cNvSpPr>
+          <p:nvPr>
+            <p:ph type="body" sz="quarter" idx="15"/>
+          </p:nvPr>
+        </p:nvSpPr>
+        <p:spPr/>
+        <p:txBody>
+          <a:bodyPr/>
+          <a:lstStyle/>
+          <a:p>
+            <a:r>
+              <a:rPr lang="en-GB" dirty="0" err="1"/>
+              <a:t>Collegamento</a:t>
+            </a:r>
+            <a:r>
+              <a:rPr lang="en-GB" dirty="0"/>
+              <a:t> </a:t>
+            </a:r>
+            <a:r>
+              <a:rPr lang="en-GB" dirty="0" err="1"/>
+              <a:t>cve</a:t>
+            </a:r>
+            <a:r>
+              <a:rPr lang="en-GB" dirty="0"/>
+              <a:t> &amp; exploit </a:t>
+            </a:r>
+            <a:r>
+              <a:rPr lang="en-GB" dirty="0" err="1"/>
+              <a:t>db</a:t>
+            </a:r>
+            <a:r>
+              <a:rPr lang="en-GB" dirty="0"/>
+              <a:t> </a:t>
+            </a:r>
+          </a:p>
+        </p:txBody>
+      </p:sp>
+      <p:sp>
+        <p:nvSpPr>
+          <p:cNvPr id="6" name="Text Placeholder 5">
+            <a:extLst>
+              <a:ext uri="{FF2B5EF4-FFF2-40B4-BE49-F238E27FC236}">
+                <a16:creationId xmlns:a16="http://schemas.microsoft.com/office/drawing/2014/main" id="{DCB78135-E73E-ECE9-764E-592FA27F1732}"/>
+              </a:ext>
+            </a:extLst>
+          </p:cNvPr>
+          <p:cNvSpPr>
+            <a:spLocks noGrp="1"/>
+          </p:cNvSpPr>
+          <p:nvPr>
+            <p:ph type="body" sz="quarter" idx="16"/>
+          </p:nvPr>
+        </p:nvSpPr>
+        <p:spPr/>
+        <p:txBody>
+          <a:bodyPr/>
+          <a:lstStyle/>
+          <a:p>
+            <a:r>
+              <a:rPr lang="it-IT" dirty="0"/>
+              <a:t>Integrazione in pipeline CI/CD</a:t>
+            </a:r>
+            <a:endParaRPr lang="en-GB" dirty="0"/>
+          </a:p>
+        </p:txBody>
+      </p:sp>
+      <p:sp>
+        <p:nvSpPr>
+          <p:cNvPr id="7" name="Text Placeholder 6">
+            <a:extLst>
+              <a:ext uri="{FF2B5EF4-FFF2-40B4-BE49-F238E27FC236}">
+                <a16:creationId xmlns:a16="http://schemas.microsoft.com/office/drawing/2014/main" id="{4DC1D99A-9F72-2680-44BD-690E54AF0E62}"/>
+              </a:ext>
+            </a:extLst>
+          </p:cNvPr>
+          <p:cNvSpPr>
+            <a:spLocks noGrp="1"/>
+          </p:cNvSpPr>
+          <p:nvPr>
+            <p:ph type="body" sz="quarter" idx="17"/>
+          </p:nvPr>
+        </p:nvSpPr>
+        <p:spPr/>
+        <p:txBody>
+          <a:bodyPr/>
+          <a:lstStyle/>
+          <a:p>
+            <a:r>
+              <a:rPr lang="it-IT" dirty="0"/>
+              <a:t>Integrazione con </a:t>
+            </a:r>
+            <a:r>
+              <a:rPr lang="it-IT" b="1" dirty="0"/>
+              <a:t>trasformatori pre-addestrati </a:t>
+            </a:r>
+            <a:r>
+              <a:rPr lang="it-IT" dirty="0"/>
+              <a:t>(Modelli addestrati in anticipo su grandi quantità di dati per imparare rappresentazioni generali) per classificazione semantica di vulnerabilità.</a:t>
+            </a:r>
+            <a:endParaRPr lang="en-GB" dirty="0"/>
+          </a:p>
+        </p:txBody>
+      </p:sp>
+      <p:sp>
+        <p:nvSpPr>
+          <p:cNvPr id="8" name="Text Placeholder 7">
+            <a:extLst>
+              <a:ext uri="{FF2B5EF4-FFF2-40B4-BE49-F238E27FC236}">
+                <a16:creationId xmlns:a16="http://schemas.microsoft.com/office/drawing/2014/main" id="{780FA05A-C1FA-DB2D-A05E-D904F1ED0386}"/>
+              </a:ext>
+            </a:extLst>
+          </p:cNvPr>
+          <p:cNvSpPr>
+            <a:spLocks noGrp="1"/>
+          </p:cNvSpPr>
+          <p:nvPr>
+            <p:ph type="body" sz="quarter" idx="18"/>
+          </p:nvPr>
+        </p:nvSpPr>
+        <p:spPr/>
+        <p:txBody>
+          <a:bodyPr/>
+          <a:lstStyle/>
+          <a:p>
+            <a:r>
+              <a:rPr lang="it-IT" dirty="0"/>
+              <a:t>Interfaccia grafica web per </a:t>
+            </a:r>
+            <a:r>
+              <a:rPr lang="it-IT" b="1" dirty="0"/>
+              <a:t>analisi interattiva</a:t>
+            </a:r>
+            <a:r>
+              <a:rPr lang="it-IT" dirty="0"/>
+              <a:t>.</a:t>
+            </a:r>
+            <a:endParaRPr lang="en-GB" dirty="0"/>
+          </a:p>
+        </p:txBody>
+      </p:sp>
+      <p:sp>
+        <p:nvSpPr>
+          <p:cNvPr id="9" name="Text Placeholder 8">
+            <a:extLst>
+              <a:ext uri="{FF2B5EF4-FFF2-40B4-BE49-F238E27FC236}">
+                <a16:creationId xmlns:a16="http://schemas.microsoft.com/office/drawing/2014/main" id="{FA75742A-8DC8-BC96-E9C1-0762004531F7}"/>
+              </a:ext>
+            </a:extLst>
+          </p:cNvPr>
+          <p:cNvSpPr>
+            <a:spLocks noGrp="1"/>
+          </p:cNvSpPr>
+          <p:nvPr>
+            <p:ph type="body" sz="quarter" idx="19"/>
+          </p:nvPr>
+        </p:nvSpPr>
+        <p:spPr/>
+        <p:txBody>
+          <a:bodyPr/>
+          <a:lstStyle/>
+          <a:p>
+            <a:r>
+              <a:rPr lang="it-IT" dirty="0"/>
+              <a:t>Collegamento a database CVE/Exploit-DB per rilevamento basato su </a:t>
+            </a:r>
+            <a:r>
+              <a:rPr lang="it-IT" b="1" dirty="0"/>
+              <a:t>signature note</a:t>
+            </a:r>
+            <a:r>
+              <a:rPr lang="it-IT" dirty="0"/>
+              <a:t>.</a:t>
+            </a:r>
+            <a:endParaRPr lang="en-GB" dirty="0"/>
+          </a:p>
+        </p:txBody>
+      </p:sp>
+      <p:sp>
+        <p:nvSpPr>
+          <p:cNvPr id="10" name="Text Placeholder 9">
+            <a:extLst>
+              <a:ext uri="{FF2B5EF4-FFF2-40B4-BE49-F238E27FC236}">
+                <a16:creationId xmlns:a16="http://schemas.microsoft.com/office/drawing/2014/main" id="{23798351-8802-B4A8-5C75-10788EDCFA57}"/>
+              </a:ext>
+            </a:extLst>
+          </p:cNvPr>
+          <p:cNvSpPr>
+            <a:spLocks noGrp="1"/>
+          </p:cNvSpPr>
+          <p:nvPr>
+            <p:ph type="body" sz="quarter" idx="20"/>
+          </p:nvPr>
+        </p:nvSpPr>
+        <p:spPr/>
+        <p:txBody>
+          <a:bodyPr/>
+          <a:lstStyle/>
+          <a:p>
+            <a:r>
+              <a:rPr lang="it-IT" dirty="0"/>
+              <a:t>Uso del software in continuo nel ciclo </a:t>
+            </a:r>
+            <a:r>
+              <a:rPr lang="it-IT" b="1" dirty="0"/>
+              <a:t>DevSecOps</a:t>
+            </a:r>
+            <a:r>
+              <a:rPr lang="it-IT" dirty="0"/>
+              <a:t>.</a:t>
+            </a:r>
+            <a:endParaRPr lang="en-GB" dirty="0"/>
+          </a:p>
+        </p:txBody>
+      </p:sp>
+      <p:sp>
+        <p:nvSpPr>
+          <p:cNvPr id="11" name="Date Placeholder 10">
+            <a:extLst>
+              <a:ext uri="{FF2B5EF4-FFF2-40B4-BE49-F238E27FC236}">
+                <a16:creationId xmlns:a16="http://schemas.microsoft.com/office/drawing/2014/main" id="{2B71C79A-1C40-C7F5-4A1C-05A59FDA3B29}"/>
+              </a:ext>
+            </a:extLst>
+          </p:cNvPr>
+          <p:cNvSpPr>
+            <a:spLocks noGrp="1"/>
+          </p:cNvSpPr>
+          <p:nvPr>
+            <p:ph type="dt" sz="half" idx="10"/>
+          </p:nvPr>
+        </p:nvSpPr>
+        <p:spPr/>
+        <p:txBody>
+          <a:bodyPr/>
+          <a:lstStyle/>
+          <a:p>
             <a:pPr rtl="0"/>
             <a:r>
-              <a:rPr lang="en-GB" dirty="0" err="1"/>
-              <a:t>CodeStresser</a:t>
-            </a:r>
-            <a:endParaRPr lang="en-GB" noProof="0" dirty="0"/>
-          </a:p>
-        </p:txBody>
-      </p:sp>
-      <p:sp>
-        <p:nvSpPr>
-          <p:cNvPr id="6" name="Slide Number Placeholder 5">
-            <a:extLst>
-              <a:ext uri="{FF2B5EF4-FFF2-40B4-BE49-F238E27FC236}">
-                <a16:creationId xmlns:a16="http://schemas.microsoft.com/office/drawing/2014/main" id="{741C8076-8AF2-0E4B-7CDC-7B9BC3C31860}"/>
+              <a:rPr lang="en-GB" noProof="0"/>
+              <a:t>20XX</a:t>
+            </a:r>
+          </a:p>
+        </p:txBody>
+      </p:sp>
+      <p:sp>
+        <p:nvSpPr>
+          <p:cNvPr id="12" name="Footer Placeholder 11">
+            <a:extLst>
+              <a:ext uri="{FF2B5EF4-FFF2-40B4-BE49-F238E27FC236}">
+                <a16:creationId xmlns:a16="http://schemas.microsoft.com/office/drawing/2014/main" id="{1A27CEA2-3754-CF93-E22A-390E389030A9}"/>
+              </a:ext>
+            </a:extLst>
+          </p:cNvPr>
+          <p:cNvSpPr>
+            <a:spLocks noGrp="1"/>
+          </p:cNvSpPr>
+          <p:nvPr>
+            <p:ph type="ftr" sz="quarter" idx="11"/>
+          </p:nvPr>
+        </p:nvSpPr>
+        <p:spPr/>
+        <p:txBody>
+          <a:bodyPr/>
+          <a:lstStyle/>
+          <a:p>
+            <a:pPr algn="l" rtl="0"/>
+            <a:r>
+              <a:rPr lang="en-GB" noProof="0"/>
+              <a:t>Pitch Deck</a:t>
+            </a:r>
+          </a:p>
+        </p:txBody>
+      </p:sp>
+      <p:sp>
+        <p:nvSpPr>
+          <p:cNvPr id="13" name="Slide Number Placeholder 12">
+            <a:extLst>
+              <a:ext uri="{FF2B5EF4-FFF2-40B4-BE49-F238E27FC236}">
+                <a16:creationId xmlns:a16="http://schemas.microsoft.com/office/drawing/2014/main" id="{C6C5DAF0-4852-D043-CB40-C4F121437249}"/>
               </a:ext>
             </a:extLst>
           </p:cNvPr>
@@ -32927,7 +33170,7 @@
     </p:spTree>
     <p:extLst>
       <p:ext uri="{BB962C8B-B14F-4D97-AF65-F5344CB8AC3E}">
-        <p14:creationId xmlns:p14="http://schemas.microsoft.com/office/powerpoint/2010/main" val="1993922906"/>
+        <p14:creationId xmlns:p14="http://schemas.microsoft.com/office/powerpoint/2010/main" val="905137107"/>
       </p:ext>
     </p:extLst>
   </p:cSld>
@@ -32971,6 +33214,225 @@
           <p:cNvPr id="2" name="Title 1">
             <a:extLst>
               <a:ext uri="{FF2B5EF4-FFF2-40B4-BE49-F238E27FC236}">
+                <a16:creationId xmlns:a16="http://schemas.microsoft.com/office/drawing/2014/main" id="{FD9D32C9-8829-5085-A0C2-AB40B11C001F}"/>
+              </a:ext>
+            </a:extLst>
+          </p:cNvPr>
+          <p:cNvSpPr>
+            <a:spLocks noGrp="1"/>
+          </p:cNvSpPr>
+          <p:nvPr>
+            <p:ph type="ctrTitle"/>
+          </p:nvPr>
+        </p:nvSpPr>
+        <p:spPr>
+          <a:xfrm>
+            <a:off x="4267200" y="1251942"/>
+            <a:ext cx="4179570" cy="1524735"/>
+          </a:xfrm>
+        </p:spPr>
+        <p:txBody>
+          <a:bodyPr/>
+          <a:lstStyle/>
+          <a:p>
+            <a:r>
+              <a:rPr lang="en-GB" dirty="0" err="1"/>
+              <a:t>conclusioni</a:t>
+            </a:r>
+            <a:endParaRPr lang="en-GB" dirty="0"/>
+          </a:p>
+        </p:txBody>
+      </p:sp>
+      <p:sp>
+        <p:nvSpPr>
+          <p:cNvPr id="3" name="Subtitle 2">
+            <a:extLst>
+              <a:ext uri="{FF2B5EF4-FFF2-40B4-BE49-F238E27FC236}">
+                <a16:creationId xmlns:a16="http://schemas.microsoft.com/office/drawing/2014/main" id="{946CE590-1BA4-00AF-BB5C-6FCAC7A5653C}"/>
+              </a:ext>
+            </a:extLst>
+          </p:cNvPr>
+          <p:cNvSpPr>
+            <a:spLocks noGrp="1"/>
+          </p:cNvSpPr>
+          <p:nvPr>
+            <p:ph type="subTitle" idx="1"/>
+          </p:nvPr>
+        </p:nvSpPr>
+        <p:spPr>
+          <a:xfrm>
+            <a:off x="4267199" y="2851355"/>
+            <a:ext cx="5004620" cy="3018503"/>
+          </a:xfrm>
+        </p:spPr>
+        <p:txBody>
+          <a:bodyPr>
+            <a:normAutofit fontScale="85000" lnSpcReduction="10000"/>
+          </a:bodyPr>
+          <a:lstStyle/>
+          <a:p>
+            <a:r>
+              <a:rPr lang="it-IT" dirty="0"/>
+              <a:t>CodeStresser integra l’analisi statica con il ML per rilevare vulnerabilità nel codice in modo automatico e strutturato.</a:t>
+            </a:r>
+          </a:p>
+          <a:p>
+            <a:r>
+              <a:rPr lang="it-IT" dirty="0"/>
+              <a:t>La combinazione di feature semantiche, modelli ML supervisionati e un report dettagliato consente una valutazione sia tecnica che operativa del rischio.</a:t>
+            </a:r>
+          </a:p>
+          <a:p>
+            <a:r>
+              <a:rPr lang="it-IT" dirty="0"/>
+              <a:t>Il sistema è pensato per essere integrabile in flussi CI/CD, con output leggibili sia da sviluppatori che da strumenti automatici.</a:t>
+            </a:r>
+          </a:p>
+          <a:p>
+            <a:r>
+              <a:rPr lang="it-IT" dirty="0"/>
+              <a:t>I risultati preliminari dimostrano un approccio promettente per supportare il Secure Software Engineering con strumenti intelligenti e adattivi.</a:t>
+            </a:r>
+            <a:endParaRPr lang="en-GB" dirty="0"/>
+          </a:p>
+        </p:txBody>
+      </p:sp>
+      <p:sp>
+        <p:nvSpPr>
+          <p:cNvPr id="4" name="Date Placeholder 3">
+            <a:extLst>
+              <a:ext uri="{FF2B5EF4-FFF2-40B4-BE49-F238E27FC236}">
+                <a16:creationId xmlns:a16="http://schemas.microsoft.com/office/drawing/2014/main" id="{77DBAFBC-E4F1-5B09-6829-870F5D492AF4}"/>
+              </a:ext>
+            </a:extLst>
+          </p:cNvPr>
+          <p:cNvSpPr>
+            <a:spLocks noGrp="1"/>
+          </p:cNvSpPr>
+          <p:nvPr>
+            <p:ph type="dt" sz="half" idx="10"/>
+          </p:nvPr>
+        </p:nvSpPr>
+        <p:spPr/>
+        <p:txBody>
+          <a:bodyPr/>
+          <a:lstStyle/>
+          <a:p>
+            <a:pPr rtl="0"/>
+            <a:r>
+              <a:rPr lang="en-GB" noProof="0" dirty="0"/>
+              <a:t>2025</a:t>
+            </a:r>
+          </a:p>
+        </p:txBody>
+      </p:sp>
+      <p:sp>
+        <p:nvSpPr>
+          <p:cNvPr id="5" name="Footer Placeholder 4">
+            <a:extLst>
+              <a:ext uri="{FF2B5EF4-FFF2-40B4-BE49-F238E27FC236}">
+                <a16:creationId xmlns:a16="http://schemas.microsoft.com/office/drawing/2014/main" id="{488AF106-BC96-45EB-DBE6-E9722A352EE6}"/>
+              </a:ext>
+            </a:extLst>
+          </p:cNvPr>
+          <p:cNvSpPr>
+            <a:spLocks noGrp="1"/>
+          </p:cNvSpPr>
+          <p:nvPr>
+            <p:ph type="ftr" sz="quarter" idx="11"/>
+          </p:nvPr>
+        </p:nvSpPr>
+        <p:spPr/>
+        <p:txBody>
+          <a:bodyPr/>
+          <a:lstStyle/>
+          <a:p>
+            <a:pPr rtl="0"/>
+            <a:r>
+              <a:rPr lang="en-GB" dirty="0" err="1"/>
+              <a:t>CodeStresser</a:t>
+            </a:r>
+            <a:endParaRPr lang="en-GB" noProof="0" dirty="0"/>
+          </a:p>
+        </p:txBody>
+      </p:sp>
+      <p:sp>
+        <p:nvSpPr>
+          <p:cNvPr id="6" name="Slide Number Placeholder 5">
+            <a:extLst>
+              <a:ext uri="{FF2B5EF4-FFF2-40B4-BE49-F238E27FC236}">
+                <a16:creationId xmlns:a16="http://schemas.microsoft.com/office/drawing/2014/main" id="{741C8076-8AF2-0E4B-7CDC-7B9BC3C31860}"/>
+              </a:ext>
+            </a:extLst>
+          </p:cNvPr>
+          <p:cNvSpPr>
+            <a:spLocks noGrp="1"/>
+          </p:cNvSpPr>
+          <p:nvPr>
+            <p:ph type="sldNum" sz="quarter" idx="12"/>
+          </p:nvPr>
+        </p:nvSpPr>
+        <p:spPr/>
+        <p:txBody>
+          <a:bodyPr/>
+          <a:lstStyle/>
+          <a:p>
+            <a:pPr rtl="0"/>
+            <a:fld id="{B5CEABB6-07DC-46E8-9B57-56EC44A396E5}" type="slidenum">
+              <a:rPr lang="en-GB" noProof="0" smtClean="0"/>
+              <a:t>25</a:t>
+            </a:fld>
+            <a:endParaRPr lang="en-GB" noProof="0"/>
+          </a:p>
+        </p:txBody>
+      </p:sp>
+    </p:spTree>
+    <p:extLst>
+      <p:ext uri="{BB962C8B-B14F-4D97-AF65-F5344CB8AC3E}">
+        <p14:creationId xmlns:p14="http://schemas.microsoft.com/office/powerpoint/2010/main" val="1993922906"/>
+      </p:ext>
+    </p:extLst>
+  </p:cSld>
+  <p:clrMapOvr>
+    <a:masterClrMapping/>
+  </p:clrMapOvr>
+  <mc:AlternateContent xmlns:mc="http://schemas.openxmlformats.org/markup-compatibility/2006" xmlns:p159="http://schemas.microsoft.com/office/powerpoint/2015/09/main">
+    <mc:Choice Requires="p159">
+      <p:transition xmlns:p14="http://schemas.microsoft.com/office/powerpoint/2010/main" spd="slow" p14:dur="2000">
+        <p159:morph option="byObject"/>
+      </p:transition>
+    </mc:Choice>
+    <mc:Fallback xmlns="">
+      <p:transition spd="slow">
+        <p:fade/>
+      </p:transition>
+    </mc:Fallback>
+  </mc:AlternateContent>
+</p:sld>
+</file>
+
+<file path=ppt/slides/slide26.xml><?xml version="1.0" encoding="utf-8"?>
+<p:sld xmlns:a="http://schemas.openxmlformats.org/drawingml/2006/main" xmlns:r="http://schemas.openxmlformats.org/officeDocument/2006/relationships" xmlns:p="http://schemas.openxmlformats.org/presentationml/2006/main">
+  <p:cSld>
+    <p:spTree>
+      <p:nvGrpSpPr>
+        <p:cNvPr id="1" name=""/>
+        <p:cNvGrpSpPr/>
+        <p:nvPr/>
+      </p:nvGrpSpPr>
+      <p:grpSpPr>
+        <a:xfrm>
+          <a:off x="0" y="0"/>
+          <a:ext cx="0" cy="0"/>
+          <a:chOff x="0" y="0"/>
+          <a:chExt cx="0" cy="0"/>
+        </a:xfrm>
+      </p:grpSpPr>
+      <p:sp>
+        <p:nvSpPr>
+          <p:cNvPr id="2" name="Title 1">
+            <a:extLst>
+              <a:ext uri="{FF2B5EF4-FFF2-40B4-BE49-F238E27FC236}">
                 <a16:creationId xmlns:a16="http://schemas.microsoft.com/office/drawing/2014/main" id="{BCCAEE93-8585-46D4-A7EC-F184E317CB2E}"/>
               </a:ext>
             </a:extLst>
@@ -33161,7 +33623,7 @@
             <a:fld id="{B5CEABB6-07DC-46E8-9B57-56EC44A396E5}" type="slidenum">
               <a:rPr lang="en-GB" smtClean="0"/>
               <a:pPr rtl="0"/>
-              <a:t>25</a:t>
+              <a:t>26</a:t>
             </a:fld>
             <a:endParaRPr lang="en-GB"/>
           </a:p>
@@ -33177,13 +33639,13 @@
   <p:clrMapOvr>
     <a:masterClrMapping/>
   </p:clrMapOvr>
-  <mc:AlternateContent xmlns:mc="http://schemas.openxmlformats.org/markup-compatibility/2006">
-    <mc:Choice xmlns:p159="http://schemas.microsoft.com/office/powerpoint/2015/09/main" Requires="p159">
+  <mc:AlternateContent xmlns:mc="http://schemas.openxmlformats.org/markup-compatibility/2006" xmlns:p159="http://schemas.microsoft.com/office/powerpoint/2015/09/main">
+    <mc:Choice Requires="p159">
       <p:transition xmlns:p14="http://schemas.microsoft.com/office/powerpoint/2010/main" spd="slow" p14:dur="2000">
         <p159:morph option="byObject"/>
       </p:transition>
     </mc:Choice>
-    <mc:Fallback>
+    <mc:Fallback xmlns="">
       <p:transition spd="slow">
         <p:fade/>
       </p:transition>
@@ -36784,13 +37246,13 @@
   <p:clrMapOvr>
     <a:masterClrMapping/>
   </p:clrMapOvr>
-  <mc:AlternateContent xmlns:mc="http://schemas.openxmlformats.org/markup-compatibility/2006">
-    <mc:Choice xmlns:p159="http://schemas.microsoft.com/office/powerpoint/2015/09/main" Requires="p159">
+  <mc:AlternateContent xmlns:mc="http://schemas.openxmlformats.org/markup-compatibility/2006" xmlns:p159="http://schemas.microsoft.com/office/powerpoint/2015/09/main">
+    <mc:Choice Requires="p159">
       <p:transition xmlns:p14="http://schemas.microsoft.com/office/powerpoint/2010/main" spd="slow" p14:dur="2000">
         <p159:morph option="byObject"/>
       </p:transition>
     </mc:Choice>
-    <mc:Fallback>
+    <mc:Fallback xmlns="">
       <p:transition spd="slow">
         <p:fade/>
       </p:transition>
@@ -38223,18 +38685,18 @@
 </file>
 
 <file path=customXml/item1.xml><?xml version="1.0" encoding="utf-8"?>
-<p:properties xmlns:p="http://schemas.microsoft.com/office/2006/metadata/properties" xmlns:xsi="http://www.w3.org/2001/XMLSchema-instance" xmlns:pc="http://schemas.microsoft.com/office/infopath/2007/PartnerControls">
-  <documentManagement/>
-</p:properties>
-</file>
-
-<file path=customXml/item2.xml><?xml version="1.0" encoding="utf-8"?>
 <?mso-contentType ?>
 <FormTemplates xmlns="http://schemas.microsoft.com/sharepoint/v3/contenttype/forms">
   <Display>DocumentLibraryForm</Display>
   <Edit>DocumentLibraryForm</Edit>
   <New>DocumentLibraryForm</New>
 </FormTemplates>
+</file>
+
+<file path=customXml/item2.xml><?xml version="1.0" encoding="utf-8"?>
+<p:properties xmlns:p="http://schemas.microsoft.com/office/2006/metadata/properties" xmlns:xsi="http://www.w3.org/2001/XMLSchema-instance" xmlns:pc="http://schemas.microsoft.com/office/infopath/2007/PartnerControls">
+  <documentManagement/>
+</p:properties>
 </file>
 
 <file path=customXml/item3.xml><?xml version="1.0" encoding="utf-8"?>
@@ -38453,6 +38915,14 @@
 </file>
 
 <file path=customXml/itemProps1.xml><?xml version="1.0" encoding="utf-8"?>
+<ds:datastoreItem xmlns:ds="http://schemas.openxmlformats.org/officeDocument/2006/customXml" ds:itemID="{2D446390-8521-40A2-A462-EA068123BED9}">
+  <ds:schemaRefs>
+    <ds:schemaRef ds:uri="http://schemas.microsoft.com/sharepoint/v3/contenttype/forms"/>
+  </ds:schemaRefs>
+</ds:datastoreItem>
+</file>
+
+<file path=customXml/itemProps2.xml><?xml version="1.0" encoding="utf-8"?>
 <ds:datastoreItem xmlns:ds="http://schemas.openxmlformats.org/officeDocument/2006/customXml" ds:itemID="{B5BA3906-9696-4247-AC0D-DD5C26B2A70A}">
   <ds:schemaRefs>
     <ds:schemaRef ds:uri="25379ffa-1be3-456e-9b5c-56d073d73bb0"/>
@@ -38465,14 +38935,6 @@
     <ds:schemaRef ds:uri="http://schemas.microsoft.com/office/infopath/2007/PartnerControls"/>
     <ds:schemaRef ds:uri="http://schemas.openxmlformats.org/package/2006/metadata/core-properties"/>
     <ds:schemaRef ds:uri="http://purl.org/dc/terms/"/>
-  </ds:schemaRefs>
-</ds:datastoreItem>
-</file>
-
-<file path=customXml/itemProps2.xml><?xml version="1.0" encoding="utf-8"?>
-<ds:datastoreItem xmlns:ds="http://schemas.openxmlformats.org/officeDocument/2006/customXml" ds:itemID="{2D446390-8521-40A2-A462-EA068123BED9}">
-  <ds:schemaRefs>
-    <ds:schemaRef ds:uri="http://schemas.microsoft.com/sharepoint/v3/contenttype/forms"/>
   </ds:schemaRefs>
 </ds:datastoreItem>
 </file>
